--- a/UI notes.pptx
+++ b/UI notes.pptx
@@ -5,12 +5,15 @@
     <p:sldMasterId id="2147483648" r:id="rId1"/>
   </p:sldMasterIdLst>
   <p:notesMasterIdLst>
-    <p:notesMasterId r:id="rId5"/>
+    <p:notesMasterId r:id="rId8"/>
   </p:notesMasterIdLst>
   <p:sldIdLst>
     <p:sldId id="256" r:id="rId2"/>
     <p:sldId id="257" r:id="rId3"/>
     <p:sldId id="258" r:id="rId4"/>
+    <p:sldId id="259" r:id="rId5"/>
+    <p:sldId id="260" r:id="rId6"/>
+    <p:sldId id="261" r:id="rId7"/>
   </p:sldIdLst>
   <p:sldSz cx="12192000" cy="6858000"/>
   <p:notesSz cx="6858000" cy="9144000"/>
@@ -4843,6 +4846,1369 @@
     <p:extLst>
       <p:ext uri="{BB962C8B-B14F-4D97-AF65-F5344CB8AC3E}">
         <p14:creationId xmlns:p14="http://schemas.microsoft.com/office/powerpoint/2010/main" val="2967312436"/>
+      </p:ext>
+    </p:extLst>
+  </p:cSld>
+  <p:clrMapOvr>
+    <a:masterClrMapping/>
+  </p:clrMapOvr>
+</p:sld>
+</file>
+
+<file path=ppt/slides/slide4.xml><?xml version="1.0" encoding="utf-8"?>
+<p:sld xmlns:a="http://schemas.openxmlformats.org/drawingml/2006/main" xmlns:r="http://schemas.openxmlformats.org/officeDocument/2006/relationships" xmlns:p="http://schemas.openxmlformats.org/presentationml/2006/main">
+  <p:cSld>
+    <p:spTree>
+      <p:nvGrpSpPr>
+        <p:cNvPr id="1" name=""/>
+        <p:cNvGrpSpPr/>
+        <p:nvPr/>
+      </p:nvGrpSpPr>
+      <p:grpSpPr>
+        <a:xfrm>
+          <a:off x="0" y="0"/>
+          <a:ext cx="0" cy="0"/>
+          <a:chOff x="0" y="0"/>
+          <a:chExt cx="0" cy="0"/>
+        </a:xfrm>
+      </p:grpSpPr>
+      <p:pic>
+        <p:nvPicPr>
+          <p:cNvPr id="4" name="Picture 3">
+            <a:extLst>
+              <a:ext uri="{FF2B5EF4-FFF2-40B4-BE49-F238E27FC236}">
+                <a16:creationId xmlns:a16="http://schemas.microsoft.com/office/drawing/2014/main" id="{21FA90F5-5CB2-24F0-FEF2-3D5E5FC4BC58}"/>
+              </a:ext>
+            </a:extLst>
+          </p:cNvPr>
+          <p:cNvPicPr>
+            <a:picLocks noChangeAspect="1"/>
+          </p:cNvPicPr>
+          <p:nvPr/>
+        </p:nvPicPr>
+        <p:blipFill>
+          <a:blip r:embed="rId2"/>
+          <a:stretch>
+            <a:fillRect/>
+          </a:stretch>
+        </p:blipFill>
+        <p:spPr>
+          <a:xfrm>
+            <a:off x="2209799" y="563146"/>
+            <a:ext cx="8204735" cy="5444803"/>
+          </a:xfrm>
+          <a:prstGeom prst="rect">
+            <a:avLst/>
+          </a:prstGeom>
+        </p:spPr>
+      </p:pic>
+      <p:sp>
+        <p:nvSpPr>
+          <p:cNvPr id="5" name="Rectangle 4">
+            <a:extLst>
+              <a:ext uri="{FF2B5EF4-FFF2-40B4-BE49-F238E27FC236}">
+                <a16:creationId xmlns:a16="http://schemas.microsoft.com/office/drawing/2014/main" id="{B44A39A8-81BB-0BB4-1BF1-124538D0B557}"/>
+              </a:ext>
+            </a:extLst>
+          </p:cNvPr>
+          <p:cNvSpPr/>
+          <p:nvPr/>
+        </p:nvSpPr>
+        <p:spPr>
+          <a:xfrm>
+            <a:off x="2209799" y="557303"/>
+            <a:ext cx="9135710" cy="269734"/>
+          </a:xfrm>
+          <a:prstGeom prst="rect">
+            <a:avLst/>
+          </a:prstGeom>
+          <a:noFill/>
+          <a:ln>
+            <a:solidFill>
+              <a:srgbClr val="FF0000"/>
+            </a:solidFill>
+          </a:ln>
+        </p:spPr>
+        <p:style>
+          <a:lnRef idx="2">
+            <a:schemeClr val="accent1">
+              <a:shade val="15000"/>
+            </a:schemeClr>
+          </a:lnRef>
+          <a:fillRef idx="1">
+            <a:schemeClr val="accent1"/>
+          </a:fillRef>
+          <a:effectRef idx="0">
+            <a:schemeClr val="accent1"/>
+          </a:effectRef>
+          <a:fontRef idx="minor">
+            <a:schemeClr val="lt1"/>
+          </a:fontRef>
+        </p:style>
+        <p:txBody>
+          <a:bodyPr rtlCol="0" anchor="ctr"/>
+          <a:lstStyle/>
+          <a:p>
+            <a:pPr algn="ctr"/>
+            <a:endParaRPr lang="en-US"/>
+          </a:p>
+        </p:txBody>
+      </p:sp>
+      <p:sp>
+        <p:nvSpPr>
+          <p:cNvPr id="6" name="Rectangle 5">
+            <a:extLst>
+              <a:ext uri="{FF2B5EF4-FFF2-40B4-BE49-F238E27FC236}">
+                <a16:creationId xmlns:a16="http://schemas.microsoft.com/office/drawing/2014/main" id="{EC7D5B83-680D-E38E-1D6E-1F60457EC3C3}"/>
+              </a:ext>
+            </a:extLst>
+          </p:cNvPr>
+          <p:cNvSpPr/>
+          <p:nvPr/>
+        </p:nvSpPr>
+        <p:spPr>
+          <a:xfrm>
+            <a:off x="4432178" y="827038"/>
+            <a:ext cx="6913331" cy="459566"/>
+          </a:xfrm>
+          <a:prstGeom prst="rect">
+            <a:avLst/>
+          </a:prstGeom>
+          <a:noFill/>
+          <a:ln>
+            <a:solidFill>
+              <a:srgbClr val="FF0000"/>
+            </a:solidFill>
+          </a:ln>
+        </p:spPr>
+        <p:style>
+          <a:lnRef idx="2">
+            <a:schemeClr val="accent1">
+              <a:shade val="15000"/>
+            </a:schemeClr>
+          </a:lnRef>
+          <a:fillRef idx="1">
+            <a:schemeClr val="accent1"/>
+          </a:fillRef>
+          <a:effectRef idx="0">
+            <a:schemeClr val="accent1"/>
+          </a:effectRef>
+          <a:fontRef idx="minor">
+            <a:schemeClr val="lt1"/>
+          </a:fontRef>
+        </p:style>
+        <p:txBody>
+          <a:bodyPr rtlCol="0" anchor="ctr"/>
+          <a:lstStyle/>
+          <a:p>
+            <a:pPr algn="ctr"/>
+            <a:endParaRPr lang="en-US"/>
+          </a:p>
+        </p:txBody>
+      </p:sp>
+      <p:sp>
+        <p:nvSpPr>
+          <p:cNvPr id="7" name="Rectangle 6">
+            <a:extLst>
+              <a:ext uri="{FF2B5EF4-FFF2-40B4-BE49-F238E27FC236}">
+                <a16:creationId xmlns:a16="http://schemas.microsoft.com/office/drawing/2014/main" id="{5B69F05C-CA87-238F-7B9E-E653449E0E65}"/>
+              </a:ext>
+            </a:extLst>
+          </p:cNvPr>
+          <p:cNvSpPr/>
+          <p:nvPr/>
+        </p:nvSpPr>
+        <p:spPr>
+          <a:xfrm>
+            <a:off x="1340498" y="827037"/>
+            <a:ext cx="3091678" cy="765948"/>
+          </a:xfrm>
+          <a:prstGeom prst="rect">
+            <a:avLst/>
+          </a:prstGeom>
+          <a:noFill/>
+          <a:ln>
+            <a:solidFill>
+              <a:srgbClr val="FF0000"/>
+            </a:solidFill>
+          </a:ln>
+        </p:spPr>
+        <p:style>
+          <a:lnRef idx="2">
+            <a:schemeClr val="accent1">
+              <a:shade val="15000"/>
+            </a:schemeClr>
+          </a:lnRef>
+          <a:fillRef idx="1">
+            <a:schemeClr val="accent1"/>
+          </a:fillRef>
+          <a:effectRef idx="0">
+            <a:schemeClr val="accent1"/>
+          </a:effectRef>
+          <a:fontRef idx="minor">
+            <a:schemeClr val="lt1"/>
+          </a:fontRef>
+        </p:style>
+        <p:txBody>
+          <a:bodyPr rtlCol="0" anchor="ctr"/>
+          <a:lstStyle/>
+          <a:p>
+            <a:pPr algn="ctr"/>
+            <a:endParaRPr lang="en-US"/>
+          </a:p>
+        </p:txBody>
+      </p:sp>
+      <p:sp>
+        <p:nvSpPr>
+          <p:cNvPr id="8" name="Rectangle 7">
+            <a:extLst>
+              <a:ext uri="{FF2B5EF4-FFF2-40B4-BE49-F238E27FC236}">
+                <a16:creationId xmlns:a16="http://schemas.microsoft.com/office/drawing/2014/main" id="{A2E33346-4E92-5429-D1AD-D4B3F8403E71}"/>
+              </a:ext>
+            </a:extLst>
+          </p:cNvPr>
+          <p:cNvSpPr/>
+          <p:nvPr/>
+        </p:nvSpPr>
+        <p:spPr>
+          <a:xfrm>
+            <a:off x="1340498" y="1606136"/>
+            <a:ext cx="3091680" cy="4401814"/>
+          </a:xfrm>
+          <a:prstGeom prst="rect">
+            <a:avLst/>
+          </a:prstGeom>
+          <a:noFill/>
+          <a:ln>
+            <a:solidFill>
+              <a:srgbClr val="FF0000"/>
+            </a:solidFill>
+          </a:ln>
+        </p:spPr>
+        <p:style>
+          <a:lnRef idx="2">
+            <a:schemeClr val="accent1">
+              <a:shade val="15000"/>
+            </a:schemeClr>
+          </a:lnRef>
+          <a:fillRef idx="1">
+            <a:schemeClr val="accent1"/>
+          </a:fillRef>
+          <a:effectRef idx="0">
+            <a:schemeClr val="accent1"/>
+          </a:effectRef>
+          <a:fontRef idx="minor">
+            <a:schemeClr val="lt1"/>
+          </a:fontRef>
+        </p:style>
+        <p:txBody>
+          <a:bodyPr rtlCol="0" anchor="ctr"/>
+          <a:lstStyle/>
+          <a:p>
+            <a:pPr algn="ctr"/>
+            <a:endParaRPr lang="en-US"/>
+          </a:p>
+        </p:txBody>
+      </p:sp>
+      <p:sp>
+        <p:nvSpPr>
+          <p:cNvPr id="9" name="Rectangle 8">
+            <a:extLst>
+              <a:ext uri="{FF2B5EF4-FFF2-40B4-BE49-F238E27FC236}">
+                <a16:creationId xmlns:a16="http://schemas.microsoft.com/office/drawing/2014/main" id="{AF41D2D6-D773-BE18-6EFF-B2F591C08B00}"/>
+              </a:ext>
+            </a:extLst>
+          </p:cNvPr>
+          <p:cNvSpPr/>
+          <p:nvPr/>
+        </p:nvSpPr>
+        <p:spPr>
+          <a:xfrm>
+            <a:off x="4432180" y="1307541"/>
+            <a:ext cx="6913330" cy="4706252"/>
+          </a:xfrm>
+          <a:prstGeom prst="rect">
+            <a:avLst/>
+          </a:prstGeom>
+          <a:noFill/>
+          <a:ln>
+            <a:solidFill>
+              <a:srgbClr val="FF0000"/>
+            </a:solidFill>
+          </a:ln>
+        </p:spPr>
+        <p:style>
+          <a:lnRef idx="2">
+            <a:schemeClr val="accent1">
+              <a:shade val="15000"/>
+            </a:schemeClr>
+          </a:lnRef>
+          <a:fillRef idx="1">
+            <a:schemeClr val="accent1"/>
+          </a:fillRef>
+          <a:effectRef idx="0">
+            <a:schemeClr val="accent1"/>
+          </a:effectRef>
+          <a:fontRef idx="minor">
+            <a:schemeClr val="lt1"/>
+          </a:fontRef>
+        </p:style>
+        <p:txBody>
+          <a:bodyPr rtlCol="0" anchor="ctr"/>
+          <a:lstStyle/>
+          <a:p>
+            <a:pPr algn="ctr"/>
+            <a:endParaRPr lang="en-US"/>
+          </a:p>
+        </p:txBody>
+      </p:sp>
+      <p:sp>
+        <p:nvSpPr>
+          <p:cNvPr id="10" name="TextBox 9">
+            <a:extLst>
+              <a:ext uri="{FF2B5EF4-FFF2-40B4-BE49-F238E27FC236}">
+                <a16:creationId xmlns:a16="http://schemas.microsoft.com/office/drawing/2014/main" id="{5FC84A87-BEBE-171C-BE87-0D613A85890B}"/>
+              </a:ext>
+            </a:extLst>
+          </p:cNvPr>
+          <p:cNvSpPr txBox="1"/>
+          <p:nvPr/>
+        </p:nvSpPr>
+        <p:spPr>
+          <a:xfrm>
+            <a:off x="10639596" y="507504"/>
+            <a:ext cx="450764" cy="369332"/>
+          </a:xfrm>
+          <a:prstGeom prst="rect">
+            <a:avLst/>
+          </a:prstGeom>
+          <a:noFill/>
+        </p:spPr>
+        <p:txBody>
+          <a:bodyPr wrap="none" rtlCol="0">
+            <a:spAutoFit/>
+          </a:bodyPr>
+          <a:lstStyle/>
+          <a:p>
+            <a:r>
+              <a:rPr lang="en-US" b="1" dirty="0">
+                <a:solidFill>
+                  <a:srgbClr val="FF0000"/>
+                </a:solidFill>
+              </a:rPr>
+              <a:t>A1</a:t>
+            </a:r>
+          </a:p>
+        </p:txBody>
+      </p:sp>
+      <p:sp>
+        <p:nvSpPr>
+          <p:cNvPr id="11" name="TextBox 10">
+            <a:extLst>
+              <a:ext uri="{FF2B5EF4-FFF2-40B4-BE49-F238E27FC236}">
+                <a16:creationId xmlns:a16="http://schemas.microsoft.com/office/drawing/2014/main" id="{3903B10B-A3C1-1A97-EBB9-91B95D37471F}"/>
+              </a:ext>
+            </a:extLst>
+          </p:cNvPr>
+          <p:cNvSpPr txBox="1"/>
+          <p:nvPr/>
+        </p:nvSpPr>
+        <p:spPr>
+          <a:xfrm>
+            <a:off x="1500125" y="967070"/>
+            <a:ext cx="450764" cy="369332"/>
+          </a:xfrm>
+          <a:prstGeom prst="rect">
+            <a:avLst/>
+          </a:prstGeom>
+          <a:noFill/>
+        </p:spPr>
+        <p:txBody>
+          <a:bodyPr wrap="none" rtlCol="0">
+            <a:spAutoFit/>
+          </a:bodyPr>
+          <a:lstStyle/>
+          <a:p>
+            <a:r>
+              <a:rPr lang="en-US" b="1" dirty="0">
+                <a:solidFill>
+                  <a:srgbClr val="FF0000"/>
+                </a:solidFill>
+              </a:rPr>
+              <a:t>A2</a:t>
+            </a:r>
+          </a:p>
+        </p:txBody>
+      </p:sp>
+      <p:sp>
+        <p:nvSpPr>
+          <p:cNvPr id="12" name="TextBox 11">
+            <a:extLst>
+              <a:ext uri="{FF2B5EF4-FFF2-40B4-BE49-F238E27FC236}">
+                <a16:creationId xmlns:a16="http://schemas.microsoft.com/office/drawing/2014/main" id="{A7DD5614-C4CD-B7B0-8831-3BB34F248D27}"/>
+              </a:ext>
+            </a:extLst>
+          </p:cNvPr>
+          <p:cNvSpPr txBox="1"/>
+          <p:nvPr/>
+        </p:nvSpPr>
+        <p:spPr>
+          <a:xfrm>
+            <a:off x="10639596" y="897772"/>
+            <a:ext cx="450764" cy="369332"/>
+          </a:xfrm>
+          <a:prstGeom prst="rect">
+            <a:avLst/>
+          </a:prstGeom>
+          <a:noFill/>
+        </p:spPr>
+        <p:txBody>
+          <a:bodyPr wrap="none" rtlCol="0">
+            <a:spAutoFit/>
+          </a:bodyPr>
+          <a:lstStyle/>
+          <a:p>
+            <a:r>
+              <a:rPr lang="en-US" b="1" dirty="0">
+                <a:solidFill>
+                  <a:srgbClr val="FF0000"/>
+                </a:solidFill>
+              </a:rPr>
+              <a:t>A3</a:t>
+            </a:r>
+          </a:p>
+        </p:txBody>
+      </p:sp>
+      <p:sp>
+        <p:nvSpPr>
+          <p:cNvPr id="13" name="TextBox 12">
+            <a:extLst>
+              <a:ext uri="{FF2B5EF4-FFF2-40B4-BE49-F238E27FC236}">
+                <a16:creationId xmlns:a16="http://schemas.microsoft.com/office/drawing/2014/main" id="{2F6C4BC4-610E-7AA9-CF09-A93688C7DC0F}"/>
+              </a:ext>
+            </a:extLst>
+          </p:cNvPr>
+          <p:cNvSpPr txBox="1"/>
+          <p:nvPr/>
+        </p:nvSpPr>
+        <p:spPr>
+          <a:xfrm>
+            <a:off x="1473882" y="2919653"/>
+            <a:ext cx="450764" cy="369332"/>
+          </a:xfrm>
+          <a:prstGeom prst="rect">
+            <a:avLst/>
+          </a:prstGeom>
+          <a:noFill/>
+        </p:spPr>
+        <p:txBody>
+          <a:bodyPr wrap="none" rtlCol="0">
+            <a:spAutoFit/>
+          </a:bodyPr>
+          <a:lstStyle/>
+          <a:p>
+            <a:r>
+              <a:rPr lang="en-US" b="1" dirty="0">
+                <a:solidFill>
+                  <a:srgbClr val="FF0000"/>
+                </a:solidFill>
+              </a:rPr>
+              <a:t>B1</a:t>
+            </a:r>
+          </a:p>
+        </p:txBody>
+      </p:sp>
+      <p:sp>
+        <p:nvSpPr>
+          <p:cNvPr id="14" name="TextBox 13">
+            <a:extLst>
+              <a:ext uri="{FF2B5EF4-FFF2-40B4-BE49-F238E27FC236}">
+                <a16:creationId xmlns:a16="http://schemas.microsoft.com/office/drawing/2014/main" id="{13872685-116B-EA21-2C90-20BA17B5009F}"/>
+              </a:ext>
+            </a:extLst>
+          </p:cNvPr>
+          <p:cNvSpPr txBox="1"/>
+          <p:nvPr/>
+        </p:nvSpPr>
+        <p:spPr>
+          <a:xfrm>
+            <a:off x="10639596" y="2919653"/>
+            <a:ext cx="450764" cy="369332"/>
+          </a:xfrm>
+          <a:prstGeom prst="rect">
+            <a:avLst/>
+          </a:prstGeom>
+          <a:noFill/>
+        </p:spPr>
+        <p:txBody>
+          <a:bodyPr wrap="none" rtlCol="0">
+            <a:spAutoFit/>
+          </a:bodyPr>
+          <a:lstStyle/>
+          <a:p>
+            <a:r>
+              <a:rPr lang="en-US" b="1" dirty="0">
+                <a:solidFill>
+                  <a:srgbClr val="FF0000"/>
+                </a:solidFill>
+              </a:rPr>
+              <a:t>B2</a:t>
+            </a:r>
+          </a:p>
+        </p:txBody>
+      </p:sp>
+    </p:spTree>
+    <p:extLst>
+      <p:ext uri="{BB962C8B-B14F-4D97-AF65-F5344CB8AC3E}">
+        <p14:creationId xmlns:p14="http://schemas.microsoft.com/office/powerpoint/2010/main" val="3704152683"/>
+      </p:ext>
+    </p:extLst>
+  </p:cSld>
+  <p:clrMapOvr>
+    <a:masterClrMapping/>
+  </p:clrMapOvr>
+</p:sld>
+</file>
+
+<file path=ppt/slides/slide5.xml><?xml version="1.0" encoding="utf-8"?>
+<p:sld xmlns:a="http://schemas.openxmlformats.org/drawingml/2006/main" xmlns:r="http://schemas.openxmlformats.org/officeDocument/2006/relationships" xmlns:p="http://schemas.openxmlformats.org/presentationml/2006/main">
+  <p:cSld>
+    <p:spTree>
+      <p:nvGrpSpPr>
+        <p:cNvPr id="1" name=""/>
+        <p:cNvGrpSpPr/>
+        <p:nvPr/>
+      </p:nvGrpSpPr>
+      <p:grpSpPr>
+        <a:xfrm>
+          <a:off x="0" y="0"/>
+          <a:ext cx="0" cy="0"/>
+          <a:chOff x="0" y="0"/>
+          <a:chExt cx="0" cy="0"/>
+        </a:xfrm>
+      </p:grpSpPr>
+      <p:pic>
+        <p:nvPicPr>
+          <p:cNvPr id="4" name="Picture 3">
+            <a:extLst>
+              <a:ext uri="{FF2B5EF4-FFF2-40B4-BE49-F238E27FC236}">
+                <a16:creationId xmlns:a16="http://schemas.microsoft.com/office/drawing/2014/main" id="{DB09D1A8-C329-9FA6-81FF-67FE52F02093}"/>
+              </a:ext>
+            </a:extLst>
+          </p:cNvPr>
+          <p:cNvPicPr>
+            <a:picLocks noChangeAspect="1"/>
+          </p:cNvPicPr>
+          <p:nvPr/>
+        </p:nvPicPr>
+        <p:blipFill>
+          <a:blip r:embed="rId2"/>
+          <a:stretch>
+            <a:fillRect/>
+          </a:stretch>
+        </p:blipFill>
+        <p:spPr>
+          <a:xfrm>
+            <a:off x="2209800" y="569327"/>
+            <a:ext cx="8248048" cy="5407506"/>
+          </a:xfrm>
+          <a:prstGeom prst="rect">
+            <a:avLst/>
+          </a:prstGeom>
+        </p:spPr>
+      </p:pic>
+      <p:sp>
+        <p:nvSpPr>
+          <p:cNvPr id="5" name="Rectangle 4">
+            <a:extLst>
+              <a:ext uri="{FF2B5EF4-FFF2-40B4-BE49-F238E27FC236}">
+                <a16:creationId xmlns:a16="http://schemas.microsoft.com/office/drawing/2014/main" id="{E456F547-6845-523C-3840-E7AE4F6547A8}"/>
+              </a:ext>
+            </a:extLst>
+          </p:cNvPr>
+          <p:cNvSpPr/>
+          <p:nvPr/>
+        </p:nvSpPr>
+        <p:spPr>
+          <a:xfrm>
+            <a:off x="2209799" y="557303"/>
+            <a:ext cx="9135710" cy="269734"/>
+          </a:xfrm>
+          <a:prstGeom prst="rect">
+            <a:avLst/>
+          </a:prstGeom>
+          <a:noFill/>
+          <a:ln>
+            <a:solidFill>
+              <a:srgbClr val="FF0000"/>
+            </a:solidFill>
+          </a:ln>
+        </p:spPr>
+        <p:style>
+          <a:lnRef idx="2">
+            <a:schemeClr val="accent1">
+              <a:shade val="15000"/>
+            </a:schemeClr>
+          </a:lnRef>
+          <a:fillRef idx="1">
+            <a:schemeClr val="accent1"/>
+          </a:fillRef>
+          <a:effectRef idx="0">
+            <a:schemeClr val="accent1"/>
+          </a:effectRef>
+          <a:fontRef idx="minor">
+            <a:schemeClr val="lt1"/>
+          </a:fontRef>
+        </p:style>
+        <p:txBody>
+          <a:bodyPr rtlCol="0" anchor="ctr"/>
+          <a:lstStyle/>
+          <a:p>
+            <a:pPr algn="ctr"/>
+            <a:endParaRPr lang="en-US"/>
+          </a:p>
+        </p:txBody>
+      </p:sp>
+      <p:sp>
+        <p:nvSpPr>
+          <p:cNvPr id="6" name="Rectangle 5">
+            <a:extLst>
+              <a:ext uri="{FF2B5EF4-FFF2-40B4-BE49-F238E27FC236}">
+                <a16:creationId xmlns:a16="http://schemas.microsoft.com/office/drawing/2014/main" id="{5BE1E5DE-C94B-BC25-2EE2-0CD27A59B96A}"/>
+              </a:ext>
+            </a:extLst>
+          </p:cNvPr>
+          <p:cNvSpPr/>
+          <p:nvPr/>
+        </p:nvSpPr>
+        <p:spPr>
+          <a:xfrm>
+            <a:off x="4432178" y="827038"/>
+            <a:ext cx="6913331" cy="459566"/>
+          </a:xfrm>
+          <a:prstGeom prst="rect">
+            <a:avLst/>
+          </a:prstGeom>
+          <a:noFill/>
+          <a:ln>
+            <a:solidFill>
+              <a:srgbClr val="FF0000"/>
+            </a:solidFill>
+          </a:ln>
+        </p:spPr>
+        <p:style>
+          <a:lnRef idx="2">
+            <a:schemeClr val="accent1">
+              <a:shade val="15000"/>
+            </a:schemeClr>
+          </a:lnRef>
+          <a:fillRef idx="1">
+            <a:schemeClr val="accent1"/>
+          </a:fillRef>
+          <a:effectRef idx="0">
+            <a:schemeClr val="accent1"/>
+          </a:effectRef>
+          <a:fontRef idx="minor">
+            <a:schemeClr val="lt1"/>
+          </a:fontRef>
+        </p:style>
+        <p:txBody>
+          <a:bodyPr rtlCol="0" anchor="ctr"/>
+          <a:lstStyle/>
+          <a:p>
+            <a:pPr algn="ctr"/>
+            <a:endParaRPr lang="en-US"/>
+          </a:p>
+        </p:txBody>
+      </p:sp>
+      <p:sp>
+        <p:nvSpPr>
+          <p:cNvPr id="7" name="Rectangle 6">
+            <a:extLst>
+              <a:ext uri="{FF2B5EF4-FFF2-40B4-BE49-F238E27FC236}">
+                <a16:creationId xmlns:a16="http://schemas.microsoft.com/office/drawing/2014/main" id="{5B2D3BC6-F233-BAF8-9F69-B0059367E055}"/>
+              </a:ext>
+            </a:extLst>
+          </p:cNvPr>
+          <p:cNvSpPr/>
+          <p:nvPr/>
+        </p:nvSpPr>
+        <p:spPr>
+          <a:xfrm>
+            <a:off x="1340498" y="827037"/>
+            <a:ext cx="3091678" cy="692341"/>
+          </a:xfrm>
+          <a:prstGeom prst="rect">
+            <a:avLst/>
+          </a:prstGeom>
+          <a:noFill/>
+          <a:ln>
+            <a:solidFill>
+              <a:srgbClr val="FF0000"/>
+            </a:solidFill>
+          </a:ln>
+        </p:spPr>
+        <p:style>
+          <a:lnRef idx="2">
+            <a:schemeClr val="accent1">
+              <a:shade val="15000"/>
+            </a:schemeClr>
+          </a:lnRef>
+          <a:fillRef idx="1">
+            <a:schemeClr val="accent1"/>
+          </a:fillRef>
+          <a:effectRef idx="0">
+            <a:schemeClr val="accent1"/>
+          </a:effectRef>
+          <a:fontRef idx="minor">
+            <a:schemeClr val="lt1"/>
+          </a:fontRef>
+        </p:style>
+        <p:txBody>
+          <a:bodyPr rtlCol="0" anchor="ctr"/>
+          <a:lstStyle/>
+          <a:p>
+            <a:pPr algn="ctr"/>
+            <a:endParaRPr lang="en-US"/>
+          </a:p>
+        </p:txBody>
+      </p:sp>
+      <p:sp>
+        <p:nvSpPr>
+          <p:cNvPr id="8" name="Rectangle 7">
+            <a:extLst>
+              <a:ext uri="{FF2B5EF4-FFF2-40B4-BE49-F238E27FC236}">
+                <a16:creationId xmlns:a16="http://schemas.microsoft.com/office/drawing/2014/main" id="{879D5890-7D09-12C7-6705-A65499555ED0}"/>
+              </a:ext>
+            </a:extLst>
+          </p:cNvPr>
+          <p:cNvSpPr/>
+          <p:nvPr/>
+        </p:nvSpPr>
+        <p:spPr>
+          <a:xfrm>
+            <a:off x="1340498" y="1519378"/>
+            <a:ext cx="3091680" cy="4488572"/>
+          </a:xfrm>
+          <a:prstGeom prst="rect">
+            <a:avLst/>
+          </a:prstGeom>
+          <a:noFill/>
+          <a:ln>
+            <a:solidFill>
+              <a:srgbClr val="FF0000"/>
+            </a:solidFill>
+          </a:ln>
+        </p:spPr>
+        <p:style>
+          <a:lnRef idx="2">
+            <a:schemeClr val="accent1">
+              <a:shade val="15000"/>
+            </a:schemeClr>
+          </a:lnRef>
+          <a:fillRef idx="1">
+            <a:schemeClr val="accent1"/>
+          </a:fillRef>
+          <a:effectRef idx="0">
+            <a:schemeClr val="accent1"/>
+          </a:effectRef>
+          <a:fontRef idx="minor">
+            <a:schemeClr val="lt1"/>
+          </a:fontRef>
+        </p:style>
+        <p:txBody>
+          <a:bodyPr rtlCol="0" anchor="ctr"/>
+          <a:lstStyle/>
+          <a:p>
+            <a:pPr algn="ctr"/>
+            <a:endParaRPr lang="en-US"/>
+          </a:p>
+        </p:txBody>
+      </p:sp>
+      <p:sp>
+        <p:nvSpPr>
+          <p:cNvPr id="9" name="Rectangle 8">
+            <a:extLst>
+              <a:ext uri="{FF2B5EF4-FFF2-40B4-BE49-F238E27FC236}">
+                <a16:creationId xmlns:a16="http://schemas.microsoft.com/office/drawing/2014/main" id="{B3D9ED90-1702-BD34-AC00-17AC1B0986FF}"/>
+              </a:ext>
+            </a:extLst>
+          </p:cNvPr>
+          <p:cNvSpPr/>
+          <p:nvPr/>
+        </p:nvSpPr>
+        <p:spPr>
+          <a:xfrm>
+            <a:off x="4432180" y="1307541"/>
+            <a:ext cx="6913330" cy="4706252"/>
+          </a:xfrm>
+          <a:prstGeom prst="rect">
+            <a:avLst/>
+          </a:prstGeom>
+          <a:noFill/>
+          <a:ln>
+            <a:solidFill>
+              <a:srgbClr val="FF0000"/>
+            </a:solidFill>
+          </a:ln>
+        </p:spPr>
+        <p:style>
+          <a:lnRef idx="2">
+            <a:schemeClr val="accent1">
+              <a:shade val="15000"/>
+            </a:schemeClr>
+          </a:lnRef>
+          <a:fillRef idx="1">
+            <a:schemeClr val="accent1"/>
+          </a:fillRef>
+          <a:effectRef idx="0">
+            <a:schemeClr val="accent1"/>
+          </a:effectRef>
+          <a:fontRef idx="minor">
+            <a:schemeClr val="lt1"/>
+          </a:fontRef>
+        </p:style>
+        <p:txBody>
+          <a:bodyPr rtlCol="0" anchor="ctr"/>
+          <a:lstStyle/>
+          <a:p>
+            <a:pPr algn="ctr"/>
+            <a:endParaRPr lang="en-US"/>
+          </a:p>
+        </p:txBody>
+      </p:sp>
+      <p:sp>
+        <p:nvSpPr>
+          <p:cNvPr id="10" name="TextBox 9">
+            <a:extLst>
+              <a:ext uri="{FF2B5EF4-FFF2-40B4-BE49-F238E27FC236}">
+                <a16:creationId xmlns:a16="http://schemas.microsoft.com/office/drawing/2014/main" id="{8BE76B0E-D9B7-C121-7D49-4CC73EF2CE64}"/>
+              </a:ext>
+            </a:extLst>
+          </p:cNvPr>
+          <p:cNvSpPr txBox="1"/>
+          <p:nvPr/>
+        </p:nvSpPr>
+        <p:spPr>
+          <a:xfrm>
+            <a:off x="10639596" y="507504"/>
+            <a:ext cx="450764" cy="369332"/>
+          </a:xfrm>
+          <a:prstGeom prst="rect">
+            <a:avLst/>
+          </a:prstGeom>
+          <a:noFill/>
+        </p:spPr>
+        <p:txBody>
+          <a:bodyPr wrap="none" rtlCol="0">
+            <a:spAutoFit/>
+          </a:bodyPr>
+          <a:lstStyle/>
+          <a:p>
+            <a:r>
+              <a:rPr lang="en-US" b="1" dirty="0">
+                <a:solidFill>
+                  <a:srgbClr val="FF0000"/>
+                </a:solidFill>
+              </a:rPr>
+              <a:t>A1</a:t>
+            </a:r>
+          </a:p>
+        </p:txBody>
+      </p:sp>
+      <p:sp>
+        <p:nvSpPr>
+          <p:cNvPr id="11" name="TextBox 10">
+            <a:extLst>
+              <a:ext uri="{FF2B5EF4-FFF2-40B4-BE49-F238E27FC236}">
+                <a16:creationId xmlns:a16="http://schemas.microsoft.com/office/drawing/2014/main" id="{C8B51933-E8DF-9B73-00E4-5C67F23E1FBA}"/>
+              </a:ext>
+            </a:extLst>
+          </p:cNvPr>
+          <p:cNvSpPr txBox="1"/>
+          <p:nvPr/>
+        </p:nvSpPr>
+        <p:spPr>
+          <a:xfrm>
+            <a:off x="1500125" y="967070"/>
+            <a:ext cx="450764" cy="369332"/>
+          </a:xfrm>
+          <a:prstGeom prst="rect">
+            <a:avLst/>
+          </a:prstGeom>
+          <a:noFill/>
+        </p:spPr>
+        <p:txBody>
+          <a:bodyPr wrap="none" rtlCol="0">
+            <a:spAutoFit/>
+          </a:bodyPr>
+          <a:lstStyle/>
+          <a:p>
+            <a:r>
+              <a:rPr lang="en-US" b="1" dirty="0">
+                <a:solidFill>
+                  <a:srgbClr val="FF0000"/>
+                </a:solidFill>
+              </a:rPr>
+              <a:t>A2</a:t>
+            </a:r>
+          </a:p>
+        </p:txBody>
+      </p:sp>
+      <p:sp>
+        <p:nvSpPr>
+          <p:cNvPr id="12" name="TextBox 11">
+            <a:extLst>
+              <a:ext uri="{FF2B5EF4-FFF2-40B4-BE49-F238E27FC236}">
+                <a16:creationId xmlns:a16="http://schemas.microsoft.com/office/drawing/2014/main" id="{42F37143-3C78-43AD-908D-DC7C217B0E0F}"/>
+              </a:ext>
+            </a:extLst>
+          </p:cNvPr>
+          <p:cNvSpPr txBox="1"/>
+          <p:nvPr/>
+        </p:nvSpPr>
+        <p:spPr>
+          <a:xfrm>
+            <a:off x="10639596" y="897772"/>
+            <a:ext cx="450764" cy="369332"/>
+          </a:xfrm>
+          <a:prstGeom prst="rect">
+            <a:avLst/>
+          </a:prstGeom>
+          <a:noFill/>
+        </p:spPr>
+        <p:txBody>
+          <a:bodyPr wrap="none" rtlCol="0">
+            <a:spAutoFit/>
+          </a:bodyPr>
+          <a:lstStyle/>
+          <a:p>
+            <a:r>
+              <a:rPr lang="en-US" b="1" dirty="0">
+                <a:solidFill>
+                  <a:srgbClr val="FF0000"/>
+                </a:solidFill>
+              </a:rPr>
+              <a:t>A3</a:t>
+            </a:r>
+          </a:p>
+        </p:txBody>
+      </p:sp>
+      <p:sp>
+        <p:nvSpPr>
+          <p:cNvPr id="13" name="TextBox 12">
+            <a:extLst>
+              <a:ext uri="{FF2B5EF4-FFF2-40B4-BE49-F238E27FC236}">
+                <a16:creationId xmlns:a16="http://schemas.microsoft.com/office/drawing/2014/main" id="{A2A4D67F-8900-EEDA-47D5-2EFE4DA8EA02}"/>
+              </a:ext>
+            </a:extLst>
+          </p:cNvPr>
+          <p:cNvSpPr txBox="1"/>
+          <p:nvPr/>
+        </p:nvSpPr>
+        <p:spPr>
+          <a:xfrm>
+            <a:off x="1473882" y="2919653"/>
+            <a:ext cx="450764" cy="369332"/>
+          </a:xfrm>
+          <a:prstGeom prst="rect">
+            <a:avLst/>
+          </a:prstGeom>
+          <a:noFill/>
+        </p:spPr>
+        <p:txBody>
+          <a:bodyPr wrap="none" rtlCol="0">
+            <a:spAutoFit/>
+          </a:bodyPr>
+          <a:lstStyle/>
+          <a:p>
+            <a:r>
+              <a:rPr lang="en-US" b="1" dirty="0">
+                <a:solidFill>
+                  <a:srgbClr val="FF0000"/>
+                </a:solidFill>
+              </a:rPr>
+              <a:t>B1</a:t>
+            </a:r>
+          </a:p>
+        </p:txBody>
+      </p:sp>
+      <p:sp>
+        <p:nvSpPr>
+          <p:cNvPr id="14" name="TextBox 13">
+            <a:extLst>
+              <a:ext uri="{FF2B5EF4-FFF2-40B4-BE49-F238E27FC236}">
+                <a16:creationId xmlns:a16="http://schemas.microsoft.com/office/drawing/2014/main" id="{6C0290FF-B007-C0DF-19C4-E65EB40BA86A}"/>
+              </a:ext>
+            </a:extLst>
+          </p:cNvPr>
+          <p:cNvSpPr txBox="1"/>
+          <p:nvPr/>
+        </p:nvSpPr>
+        <p:spPr>
+          <a:xfrm>
+            <a:off x="10639596" y="2919653"/>
+            <a:ext cx="450764" cy="369332"/>
+          </a:xfrm>
+          <a:prstGeom prst="rect">
+            <a:avLst/>
+          </a:prstGeom>
+          <a:noFill/>
+        </p:spPr>
+        <p:txBody>
+          <a:bodyPr wrap="none" rtlCol="0">
+            <a:spAutoFit/>
+          </a:bodyPr>
+          <a:lstStyle/>
+          <a:p>
+            <a:r>
+              <a:rPr lang="en-US" b="1" dirty="0">
+                <a:solidFill>
+                  <a:srgbClr val="FF0000"/>
+                </a:solidFill>
+              </a:rPr>
+              <a:t>B2</a:t>
+            </a:r>
+          </a:p>
+        </p:txBody>
+      </p:sp>
+    </p:spTree>
+    <p:extLst>
+      <p:ext uri="{BB962C8B-B14F-4D97-AF65-F5344CB8AC3E}">
+        <p14:creationId xmlns:p14="http://schemas.microsoft.com/office/powerpoint/2010/main" val="57657224"/>
+      </p:ext>
+    </p:extLst>
+  </p:cSld>
+  <p:clrMapOvr>
+    <a:masterClrMapping/>
+  </p:clrMapOvr>
+</p:sld>
+</file>
+
+<file path=ppt/slides/slide6.xml><?xml version="1.0" encoding="utf-8"?>
+<p:sld xmlns:a="http://schemas.openxmlformats.org/drawingml/2006/main" xmlns:r="http://schemas.openxmlformats.org/officeDocument/2006/relationships" xmlns:p="http://schemas.openxmlformats.org/presentationml/2006/main">
+  <p:cSld>
+    <p:spTree>
+      <p:nvGrpSpPr>
+        <p:cNvPr id="1" name=""/>
+        <p:cNvGrpSpPr/>
+        <p:nvPr/>
+      </p:nvGrpSpPr>
+      <p:grpSpPr>
+        <a:xfrm>
+          <a:off x="0" y="0"/>
+          <a:ext cx="0" cy="0"/>
+          <a:chOff x="0" y="0"/>
+          <a:chExt cx="0" cy="0"/>
+        </a:xfrm>
+      </p:grpSpPr>
+      <p:pic>
+        <p:nvPicPr>
+          <p:cNvPr id="5" name="Picture 4">
+            <a:extLst>
+              <a:ext uri="{FF2B5EF4-FFF2-40B4-BE49-F238E27FC236}">
+                <a16:creationId xmlns:a16="http://schemas.microsoft.com/office/drawing/2014/main" id="{0BCDA026-4B83-C7A6-1572-0412DADE6A5A}"/>
+              </a:ext>
+            </a:extLst>
+          </p:cNvPr>
+          <p:cNvPicPr>
+            <a:picLocks noChangeAspect="1"/>
+          </p:cNvPicPr>
+          <p:nvPr/>
+        </p:nvPicPr>
+        <p:blipFill>
+          <a:blip r:embed="rId2"/>
+          <a:stretch>
+            <a:fillRect/>
+          </a:stretch>
+        </p:blipFill>
+        <p:spPr>
+          <a:xfrm>
+            <a:off x="2209800" y="649134"/>
+            <a:ext cx="7772400" cy="5559731"/>
+          </a:xfrm>
+          <a:prstGeom prst="rect">
+            <a:avLst/>
+          </a:prstGeom>
+        </p:spPr>
+      </p:pic>
+      <p:sp>
+        <p:nvSpPr>
+          <p:cNvPr id="8" name="Rectangle 7">
+            <a:extLst>
+              <a:ext uri="{FF2B5EF4-FFF2-40B4-BE49-F238E27FC236}">
+                <a16:creationId xmlns:a16="http://schemas.microsoft.com/office/drawing/2014/main" id="{25D1D3AD-34B6-65F9-795F-7F743B0DACAF}"/>
+              </a:ext>
+            </a:extLst>
+          </p:cNvPr>
+          <p:cNvSpPr/>
+          <p:nvPr/>
+        </p:nvSpPr>
+        <p:spPr>
+          <a:xfrm>
+            <a:off x="3238901" y="649134"/>
+            <a:ext cx="8217307" cy="865171"/>
+          </a:xfrm>
+          <a:prstGeom prst="rect">
+            <a:avLst/>
+          </a:prstGeom>
+          <a:noFill/>
+          <a:ln>
+            <a:solidFill>
+              <a:srgbClr val="FF0000"/>
+            </a:solidFill>
+          </a:ln>
+        </p:spPr>
+        <p:style>
+          <a:lnRef idx="2">
+            <a:schemeClr val="accent1">
+              <a:shade val="15000"/>
+            </a:schemeClr>
+          </a:lnRef>
+          <a:fillRef idx="1">
+            <a:schemeClr val="accent1"/>
+          </a:fillRef>
+          <a:effectRef idx="0">
+            <a:schemeClr val="accent1"/>
+          </a:effectRef>
+          <a:fontRef idx="minor">
+            <a:schemeClr val="lt1"/>
+          </a:fontRef>
+        </p:style>
+        <p:txBody>
+          <a:bodyPr rtlCol="0" anchor="ctr"/>
+          <a:lstStyle/>
+          <a:p>
+            <a:pPr algn="ctr"/>
+            <a:endParaRPr lang="en-US"/>
+          </a:p>
+        </p:txBody>
+      </p:sp>
+      <p:sp>
+        <p:nvSpPr>
+          <p:cNvPr id="9" name="Rectangle 8">
+            <a:extLst>
+              <a:ext uri="{FF2B5EF4-FFF2-40B4-BE49-F238E27FC236}">
+                <a16:creationId xmlns:a16="http://schemas.microsoft.com/office/drawing/2014/main" id="{FE8ED492-C743-CA00-FC41-CA3D49DAC169}"/>
+              </a:ext>
+            </a:extLst>
+          </p:cNvPr>
+          <p:cNvSpPr/>
+          <p:nvPr/>
+        </p:nvSpPr>
+        <p:spPr>
+          <a:xfrm>
+            <a:off x="1451197" y="649134"/>
+            <a:ext cx="1787704" cy="5559731"/>
+          </a:xfrm>
+          <a:prstGeom prst="rect">
+            <a:avLst/>
+          </a:prstGeom>
+          <a:noFill/>
+          <a:ln>
+            <a:solidFill>
+              <a:srgbClr val="FF0000"/>
+            </a:solidFill>
+          </a:ln>
+        </p:spPr>
+        <p:style>
+          <a:lnRef idx="2">
+            <a:schemeClr val="accent1">
+              <a:shade val="15000"/>
+            </a:schemeClr>
+          </a:lnRef>
+          <a:fillRef idx="1">
+            <a:schemeClr val="accent1"/>
+          </a:fillRef>
+          <a:effectRef idx="0">
+            <a:schemeClr val="accent1"/>
+          </a:effectRef>
+          <a:fontRef idx="minor">
+            <a:schemeClr val="lt1"/>
+          </a:fontRef>
+        </p:style>
+        <p:txBody>
+          <a:bodyPr rtlCol="0" anchor="ctr"/>
+          <a:lstStyle/>
+          <a:p>
+            <a:pPr algn="ctr"/>
+            <a:endParaRPr lang="en-US"/>
+          </a:p>
+        </p:txBody>
+      </p:sp>
+      <p:sp>
+        <p:nvSpPr>
+          <p:cNvPr id="11" name="Rectangle 10">
+            <a:extLst>
+              <a:ext uri="{FF2B5EF4-FFF2-40B4-BE49-F238E27FC236}">
+                <a16:creationId xmlns:a16="http://schemas.microsoft.com/office/drawing/2014/main" id="{A5C885E5-75A5-8B4E-D7BB-74B91A4D7B82}"/>
+              </a:ext>
+            </a:extLst>
+          </p:cNvPr>
+          <p:cNvSpPr/>
+          <p:nvPr/>
+        </p:nvSpPr>
+        <p:spPr>
+          <a:xfrm>
+            <a:off x="3238901" y="1514305"/>
+            <a:ext cx="8217308" cy="4694560"/>
+          </a:xfrm>
+          <a:prstGeom prst="rect">
+            <a:avLst/>
+          </a:prstGeom>
+          <a:noFill/>
+          <a:ln>
+            <a:solidFill>
+              <a:srgbClr val="FF0000"/>
+            </a:solidFill>
+          </a:ln>
+        </p:spPr>
+        <p:style>
+          <a:lnRef idx="2">
+            <a:schemeClr val="accent1">
+              <a:shade val="15000"/>
+            </a:schemeClr>
+          </a:lnRef>
+          <a:fillRef idx="1">
+            <a:schemeClr val="accent1"/>
+          </a:fillRef>
+          <a:effectRef idx="0">
+            <a:schemeClr val="accent1"/>
+          </a:effectRef>
+          <a:fontRef idx="minor">
+            <a:schemeClr val="lt1"/>
+          </a:fontRef>
+        </p:style>
+        <p:txBody>
+          <a:bodyPr rtlCol="0" anchor="ctr"/>
+          <a:lstStyle/>
+          <a:p>
+            <a:pPr algn="ctr"/>
+            <a:endParaRPr lang="en-US"/>
+          </a:p>
+        </p:txBody>
+      </p:sp>
+      <p:sp>
+        <p:nvSpPr>
+          <p:cNvPr id="12" name="TextBox 11">
+            <a:extLst>
+              <a:ext uri="{FF2B5EF4-FFF2-40B4-BE49-F238E27FC236}">
+                <a16:creationId xmlns:a16="http://schemas.microsoft.com/office/drawing/2014/main" id="{E720E769-9333-C064-2CB5-402674E7CE2D}"/>
+              </a:ext>
+            </a:extLst>
+          </p:cNvPr>
+          <p:cNvSpPr txBox="1"/>
+          <p:nvPr/>
+        </p:nvSpPr>
+        <p:spPr>
+          <a:xfrm>
+            <a:off x="10493822" y="897053"/>
+            <a:ext cx="450764" cy="369332"/>
+          </a:xfrm>
+          <a:prstGeom prst="rect">
+            <a:avLst/>
+          </a:prstGeom>
+          <a:noFill/>
+        </p:spPr>
+        <p:txBody>
+          <a:bodyPr wrap="none" rtlCol="0">
+            <a:spAutoFit/>
+          </a:bodyPr>
+          <a:lstStyle/>
+          <a:p>
+            <a:r>
+              <a:rPr lang="en-US" b="1" dirty="0">
+                <a:solidFill>
+                  <a:srgbClr val="FF0000"/>
+                </a:solidFill>
+              </a:rPr>
+              <a:t>A2</a:t>
+            </a:r>
+          </a:p>
+        </p:txBody>
+      </p:sp>
+      <p:sp>
+        <p:nvSpPr>
+          <p:cNvPr id="13" name="TextBox 12">
+            <a:extLst>
+              <a:ext uri="{FF2B5EF4-FFF2-40B4-BE49-F238E27FC236}">
+                <a16:creationId xmlns:a16="http://schemas.microsoft.com/office/drawing/2014/main" id="{311FB4F3-FF4A-F036-14D8-2FC5A5DF2518}"/>
+              </a:ext>
+            </a:extLst>
+          </p:cNvPr>
+          <p:cNvSpPr txBox="1"/>
+          <p:nvPr/>
+        </p:nvSpPr>
+        <p:spPr>
+          <a:xfrm>
+            <a:off x="1605117" y="897053"/>
+            <a:ext cx="450764" cy="369332"/>
+          </a:xfrm>
+          <a:prstGeom prst="rect">
+            <a:avLst/>
+          </a:prstGeom>
+          <a:noFill/>
+        </p:spPr>
+        <p:txBody>
+          <a:bodyPr wrap="none" rtlCol="0">
+            <a:spAutoFit/>
+          </a:bodyPr>
+          <a:lstStyle/>
+          <a:p>
+            <a:r>
+              <a:rPr lang="en-US" b="1" dirty="0">
+                <a:solidFill>
+                  <a:srgbClr val="FF0000"/>
+                </a:solidFill>
+              </a:rPr>
+              <a:t>A1</a:t>
+            </a:r>
+          </a:p>
+        </p:txBody>
+      </p:sp>
+      <p:sp>
+        <p:nvSpPr>
+          <p:cNvPr id="16" name="TextBox 15">
+            <a:extLst>
+              <a:ext uri="{FF2B5EF4-FFF2-40B4-BE49-F238E27FC236}">
+                <a16:creationId xmlns:a16="http://schemas.microsoft.com/office/drawing/2014/main" id="{CE988680-C364-661D-79B4-51B7DE27EFD9}"/>
+              </a:ext>
+            </a:extLst>
+          </p:cNvPr>
+          <p:cNvSpPr txBox="1"/>
+          <p:nvPr/>
+        </p:nvSpPr>
+        <p:spPr>
+          <a:xfrm>
+            <a:off x="10555537" y="2866714"/>
+            <a:ext cx="327334" cy="369332"/>
+          </a:xfrm>
+          <a:prstGeom prst="rect">
+            <a:avLst/>
+          </a:prstGeom>
+          <a:noFill/>
+        </p:spPr>
+        <p:txBody>
+          <a:bodyPr wrap="none" rtlCol="0">
+            <a:spAutoFit/>
+          </a:bodyPr>
+          <a:lstStyle/>
+          <a:p>
+            <a:r>
+              <a:rPr lang="en-US" b="1" dirty="0">
+                <a:solidFill>
+                  <a:srgbClr val="FF0000"/>
+                </a:solidFill>
+              </a:rPr>
+              <a:t>B</a:t>
+            </a:r>
+          </a:p>
+        </p:txBody>
+      </p:sp>
+    </p:spTree>
+    <p:extLst>
+      <p:ext uri="{BB962C8B-B14F-4D97-AF65-F5344CB8AC3E}">
+        <p14:creationId xmlns:p14="http://schemas.microsoft.com/office/powerpoint/2010/main" val="3454582893"/>
       </p:ext>
     </p:extLst>
   </p:cSld>
